--- a/2021.02 - [ Entity Framework Core ]/12 - [ Advanced Querying - Lab ]/00 - [ Resources ]/Presentation.pptx
+++ b/2021.02 - [ Entity Framework Core ]/12 - [ Advanced Querying - Lab ]/00 - [ Resources ]/Presentation.pptx
@@ -339,7 +339,7 @@
           <a:p>
             <a:fld id="{4E087215-0C8F-4762-A664-737A353EC9A4}" type="datetimeFigureOut">
               <a:rPr lang="bg-BG" smtClean="0"/>
-              <a:t>4.3.2021 г.</a:t>
+              <a:t>29.3.2021 г.</a:t>
             </a:fld>
             <a:endParaRPr lang="bg-BG"/>
           </a:p>
@@ -530,7 +530,7 @@
           <a:p>
             <a:fld id="{72D84649-876A-46C9-8472-14CB09C070D8}" type="datetimeFigureOut">
               <a:rPr lang="en-US" smtClean="0"/>
-              <a:t>3/4/2021</a:t>
+              <a:t>3/29/2021</a:t>
             </a:fld>
             <a:endParaRPr lang="en-US"/>
           </a:p>
@@ -1018,7 +1018,7 @@
             <a:fld id="{3EBA5BD7-F043-4D1B-AA17-CD412FC534DE}" type="slidenum">
               <a:rPr lang="en-US" smtClean="0"/>
               <a:pPr/>
-              <a:t>29</a:t>
+              <a:t>20</a:t>
             </a:fld>
             <a:endParaRPr lang="en-US" dirty="0"/>
           </a:p>
@@ -1029,7 +1029,7 @@
           <p:cNvPr id="6" name="Footer Placeholder 7">
             <a:extLst>
               <a:ext uri="{FF2B5EF4-FFF2-40B4-BE49-F238E27FC236}">
-                <a16:creationId xmlns:a16="http://schemas.microsoft.com/office/drawing/2014/main" id="{FC05E2B5-3D3A-4A2C-BF9D-B0AC455F5265}"/>
+                <a16:creationId xmlns:a16="http://schemas.microsoft.com/office/drawing/2014/main" id="{2ED993A8-38DE-4249-A49B-FCEBFFBBA6E8}"/>
               </a:ext>
             </a:extLst>
           </p:cNvPr>
@@ -1077,7 +1077,7 @@
     </p:spTree>
     <p:extLst>
       <p:ext uri="{BB962C8B-B14F-4D97-AF65-F5344CB8AC3E}">
-        <p14:creationId xmlns:p14="http://schemas.microsoft.com/office/powerpoint/2010/main" val="2812453277"/>
+        <p14:creationId xmlns:p14="http://schemas.microsoft.com/office/powerpoint/2010/main" val="4160887369"/>
       </p:ext>
     </p:extLst>
   </p:cSld>
@@ -1131,7 +1131,7 @@
           <a:bodyPr/>
           <a:lstStyle/>
           <a:p>
-            <a:endParaRPr lang="en-US"/>
+            <a:endParaRPr lang="en-US" dirty="0"/>
           </a:p>
         </p:txBody>
       </p:sp>
@@ -1153,7 +1153,7 @@
             <a:fld id="{3EBA5BD7-F043-4D1B-AA17-CD412FC534DE}" type="slidenum">
               <a:rPr lang="en-US" smtClean="0"/>
               <a:pPr/>
-              <a:t>32</a:t>
+              <a:t>29</a:t>
             </a:fld>
             <a:endParaRPr lang="en-US" dirty="0"/>
           </a:p>
@@ -1164,7 +1164,7 @@
           <p:cNvPr id="6" name="Footer Placeholder 7">
             <a:extLst>
               <a:ext uri="{FF2B5EF4-FFF2-40B4-BE49-F238E27FC236}">
-                <a16:creationId xmlns:a16="http://schemas.microsoft.com/office/drawing/2014/main" id="{0779CD1D-61B6-4EBE-ADFF-62F8BE58DD68}"/>
+                <a16:creationId xmlns:a16="http://schemas.microsoft.com/office/drawing/2014/main" id="{FC05E2B5-3D3A-4A2C-BF9D-B0AC455F5265}"/>
               </a:ext>
             </a:extLst>
           </p:cNvPr>
@@ -1212,7 +1212,7 @@
     </p:spTree>
     <p:extLst>
       <p:ext uri="{BB962C8B-B14F-4D97-AF65-F5344CB8AC3E}">
-        <p14:creationId xmlns:p14="http://schemas.microsoft.com/office/powerpoint/2010/main" val="3844770125"/>
+        <p14:creationId xmlns:p14="http://schemas.microsoft.com/office/powerpoint/2010/main" val="2812453277"/>
       </p:ext>
     </p:extLst>
   </p:cSld>
@@ -1272,129 +1272,23 @@
       </p:sp>
       <p:sp>
         <p:nvSpPr>
-          <p:cNvPr id="7" name="Slide Number Placeholder 5">
-            <a:extLst>
-              <a:ext uri="{FF2B5EF4-FFF2-40B4-BE49-F238E27FC236}">
-                <a16:creationId xmlns:a16="http://schemas.microsoft.com/office/drawing/2014/main" id="{5049B984-F964-47FF-8179-0A3007CE21CD}"/>
-              </a:ext>
-            </a:extLst>
-          </p:cNvPr>
-          <p:cNvSpPr txBox="1">
-            <a:spLocks/>
+          <p:cNvPr id="5" name="Slide Number Placeholder 4"/>
+          <p:cNvSpPr>
+            <a:spLocks noGrp="1"/>
           </p:cNvSpPr>
-          <p:nvPr/>
+          <p:nvPr>
+            <p:ph type="sldNum" sz="quarter" idx="11"/>
+          </p:nvPr>
         </p:nvSpPr>
-        <p:spPr>
-          <a:xfrm>
-            <a:off x="6488999" y="8847000"/>
-            <a:ext cx="367414" cy="297000"/>
-          </a:xfrm>
-          <a:prstGeom prst="rect">
-            <a:avLst/>
-          </a:prstGeom>
-        </p:spPr>
+        <p:spPr/>
         <p:txBody>
-          <a:bodyPr vert="horz" lIns="91440" tIns="45720" rIns="91440" bIns="45720" rtlCol="0" anchor="b"/>
-          <a:lstStyle>
-            <a:defPPr>
-              <a:defRPr lang="en-US"/>
-            </a:defPPr>
-            <a:lvl1pPr marL="0" algn="r" defTabSz="914400" rtl="0" eaLnBrk="1" latinLnBrk="0" hangingPunct="1">
-              <a:defRPr sz="1200" kern="1200">
-                <a:solidFill>
-                  <a:schemeClr val="tx1"/>
-                </a:solidFill>
-                <a:latin typeface="+mn-lt"/>
-                <a:ea typeface="+mn-ea"/>
-                <a:cs typeface="+mn-cs"/>
-              </a:defRPr>
-            </a:lvl1pPr>
-            <a:lvl2pPr marL="457200" algn="l" defTabSz="914400" rtl="0" eaLnBrk="1" latinLnBrk="0" hangingPunct="1">
-              <a:defRPr sz="1800" kern="1200">
-                <a:solidFill>
-                  <a:schemeClr val="tx1"/>
-                </a:solidFill>
-                <a:latin typeface="+mn-lt"/>
-                <a:ea typeface="+mn-ea"/>
-                <a:cs typeface="+mn-cs"/>
-              </a:defRPr>
-            </a:lvl2pPr>
-            <a:lvl3pPr marL="914400" algn="l" defTabSz="914400" rtl="0" eaLnBrk="1" latinLnBrk="0" hangingPunct="1">
-              <a:defRPr sz="1800" kern="1200">
-                <a:solidFill>
-                  <a:schemeClr val="tx1"/>
-                </a:solidFill>
-                <a:latin typeface="+mn-lt"/>
-                <a:ea typeface="+mn-ea"/>
-                <a:cs typeface="+mn-cs"/>
-              </a:defRPr>
-            </a:lvl3pPr>
-            <a:lvl4pPr marL="1371600" algn="l" defTabSz="914400" rtl="0" eaLnBrk="1" latinLnBrk="0" hangingPunct="1">
-              <a:defRPr sz="1800" kern="1200">
-                <a:solidFill>
-                  <a:schemeClr val="tx1"/>
-                </a:solidFill>
-                <a:latin typeface="+mn-lt"/>
-                <a:ea typeface="+mn-ea"/>
-                <a:cs typeface="+mn-cs"/>
-              </a:defRPr>
-            </a:lvl4pPr>
-            <a:lvl5pPr marL="1828800" algn="l" defTabSz="914400" rtl="0" eaLnBrk="1" latinLnBrk="0" hangingPunct="1">
-              <a:defRPr sz="1800" kern="1200">
-                <a:solidFill>
-                  <a:schemeClr val="tx1"/>
-                </a:solidFill>
-                <a:latin typeface="+mn-lt"/>
-                <a:ea typeface="+mn-ea"/>
-                <a:cs typeface="+mn-cs"/>
-              </a:defRPr>
-            </a:lvl5pPr>
-            <a:lvl6pPr marL="2286000" algn="l" defTabSz="914400" rtl="0" eaLnBrk="1" latinLnBrk="0" hangingPunct="1">
-              <a:defRPr sz="1800" kern="1200">
-                <a:solidFill>
-                  <a:schemeClr val="tx1"/>
-                </a:solidFill>
-                <a:latin typeface="+mn-lt"/>
-                <a:ea typeface="+mn-ea"/>
-                <a:cs typeface="+mn-cs"/>
-              </a:defRPr>
-            </a:lvl6pPr>
-            <a:lvl7pPr marL="2743200" algn="l" defTabSz="914400" rtl="0" eaLnBrk="1" latinLnBrk="0" hangingPunct="1">
-              <a:defRPr sz="1800" kern="1200">
-                <a:solidFill>
-                  <a:schemeClr val="tx1"/>
-                </a:solidFill>
-                <a:latin typeface="+mn-lt"/>
-                <a:ea typeface="+mn-ea"/>
-                <a:cs typeface="+mn-cs"/>
-              </a:defRPr>
-            </a:lvl7pPr>
-            <a:lvl8pPr marL="3200400" algn="l" defTabSz="914400" rtl="0" eaLnBrk="1" latinLnBrk="0" hangingPunct="1">
-              <a:defRPr sz="1800" kern="1200">
-                <a:solidFill>
-                  <a:schemeClr val="tx1"/>
-                </a:solidFill>
-                <a:latin typeface="+mn-lt"/>
-                <a:ea typeface="+mn-ea"/>
-                <a:cs typeface="+mn-cs"/>
-              </a:defRPr>
-            </a:lvl8pPr>
-            <a:lvl9pPr marL="3657600" algn="l" defTabSz="914400" rtl="0" eaLnBrk="1" latinLnBrk="0" hangingPunct="1">
-              <a:defRPr sz="1800" kern="1200">
-                <a:solidFill>
-                  <a:schemeClr val="tx1"/>
-                </a:solidFill>
-                <a:latin typeface="+mn-lt"/>
-                <a:ea typeface="+mn-ea"/>
-                <a:cs typeface="+mn-cs"/>
-              </a:defRPr>
-            </a:lvl9pPr>
-          </a:lstStyle>
+          <a:bodyPr/>
+          <a:lstStyle/>
           <a:p>
             <a:fld id="{3EBA5BD7-F043-4D1B-AA17-CD412FC534DE}" type="slidenum">
               <a:rPr lang="en-US" smtClean="0"/>
               <a:pPr/>
-              <a:t>33</a:t>
+              <a:t>32</a:t>
             </a:fld>
             <a:endParaRPr lang="en-US" dirty="0"/>
           </a:p>
@@ -1405,7 +1299,7 @@
           <p:cNvPr id="6" name="Footer Placeholder 7">
             <a:extLst>
               <a:ext uri="{FF2B5EF4-FFF2-40B4-BE49-F238E27FC236}">
-                <a16:creationId xmlns:a16="http://schemas.microsoft.com/office/drawing/2014/main" id="{25A59A90-0B62-4BB9-BEA1-7A48144E67DE}"/>
+                <a16:creationId xmlns:a16="http://schemas.microsoft.com/office/drawing/2014/main" id="{0779CD1D-61B6-4EBE-ADFF-62F8BE58DD68}"/>
               </a:ext>
             </a:extLst>
           </p:cNvPr>
@@ -1453,7 +1347,7 @@
     </p:spTree>
     <p:extLst>
       <p:ext uri="{BB962C8B-B14F-4D97-AF65-F5344CB8AC3E}">
-        <p14:creationId xmlns:p14="http://schemas.microsoft.com/office/powerpoint/2010/main" val="3007563365"/>
+        <p14:creationId xmlns:p14="http://schemas.microsoft.com/office/powerpoint/2010/main" val="3844770125"/>
       </p:ext>
     </p:extLst>
   </p:cSld>
@@ -1516,6 +1410,247 @@
           <p:cNvPr id="7" name="Slide Number Placeholder 5">
             <a:extLst>
               <a:ext uri="{FF2B5EF4-FFF2-40B4-BE49-F238E27FC236}">
+                <a16:creationId xmlns:a16="http://schemas.microsoft.com/office/drawing/2014/main" id="{5049B984-F964-47FF-8179-0A3007CE21CD}"/>
+              </a:ext>
+            </a:extLst>
+          </p:cNvPr>
+          <p:cNvSpPr txBox="1">
+            <a:spLocks/>
+          </p:cNvSpPr>
+          <p:nvPr/>
+        </p:nvSpPr>
+        <p:spPr>
+          <a:xfrm>
+            <a:off x="6488999" y="8847000"/>
+            <a:ext cx="367414" cy="297000"/>
+          </a:xfrm>
+          <a:prstGeom prst="rect">
+            <a:avLst/>
+          </a:prstGeom>
+        </p:spPr>
+        <p:txBody>
+          <a:bodyPr vert="horz" lIns="91440" tIns="45720" rIns="91440" bIns="45720" rtlCol="0" anchor="b"/>
+          <a:lstStyle>
+            <a:defPPr>
+              <a:defRPr lang="en-US"/>
+            </a:defPPr>
+            <a:lvl1pPr marL="0" algn="r" defTabSz="914400" rtl="0" eaLnBrk="1" latinLnBrk="0" hangingPunct="1">
+              <a:defRPr sz="1200" kern="1200">
+                <a:solidFill>
+                  <a:schemeClr val="tx1"/>
+                </a:solidFill>
+                <a:latin typeface="+mn-lt"/>
+                <a:ea typeface="+mn-ea"/>
+                <a:cs typeface="+mn-cs"/>
+              </a:defRPr>
+            </a:lvl1pPr>
+            <a:lvl2pPr marL="457200" algn="l" defTabSz="914400" rtl="0" eaLnBrk="1" latinLnBrk="0" hangingPunct="1">
+              <a:defRPr sz="1800" kern="1200">
+                <a:solidFill>
+                  <a:schemeClr val="tx1"/>
+                </a:solidFill>
+                <a:latin typeface="+mn-lt"/>
+                <a:ea typeface="+mn-ea"/>
+                <a:cs typeface="+mn-cs"/>
+              </a:defRPr>
+            </a:lvl2pPr>
+            <a:lvl3pPr marL="914400" algn="l" defTabSz="914400" rtl="0" eaLnBrk="1" latinLnBrk="0" hangingPunct="1">
+              <a:defRPr sz="1800" kern="1200">
+                <a:solidFill>
+                  <a:schemeClr val="tx1"/>
+                </a:solidFill>
+                <a:latin typeface="+mn-lt"/>
+                <a:ea typeface="+mn-ea"/>
+                <a:cs typeface="+mn-cs"/>
+              </a:defRPr>
+            </a:lvl3pPr>
+            <a:lvl4pPr marL="1371600" algn="l" defTabSz="914400" rtl="0" eaLnBrk="1" latinLnBrk="0" hangingPunct="1">
+              <a:defRPr sz="1800" kern="1200">
+                <a:solidFill>
+                  <a:schemeClr val="tx1"/>
+                </a:solidFill>
+                <a:latin typeface="+mn-lt"/>
+                <a:ea typeface="+mn-ea"/>
+                <a:cs typeface="+mn-cs"/>
+              </a:defRPr>
+            </a:lvl4pPr>
+            <a:lvl5pPr marL="1828800" algn="l" defTabSz="914400" rtl="0" eaLnBrk="1" latinLnBrk="0" hangingPunct="1">
+              <a:defRPr sz="1800" kern="1200">
+                <a:solidFill>
+                  <a:schemeClr val="tx1"/>
+                </a:solidFill>
+                <a:latin typeface="+mn-lt"/>
+                <a:ea typeface="+mn-ea"/>
+                <a:cs typeface="+mn-cs"/>
+              </a:defRPr>
+            </a:lvl5pPr>
+            <a:lvl6pPr marL="2286000" algn="l" defTabSz="914400" rtl="0" eaLnBrk="1" latinLnBrk="0" hangingPunct="1">
+              <a:defRPr sz="1800" kern="1200">
+                <a:solidFill>
+                  <a:schemeClr val="tx1"/>
+                </a:solidFill>
+                <a:latin typeface="+mn-lt"/>
+                <a:ea typeface="+mn-ea"/>
+                <a:cs typeface="+mn-cs"/>
+              </a:defRPr>
+            </a:lvl6pPr>
+            <a:lvl7pPr marL="2743200" algn="l" defTabSz="914400" rtl="0" eaLnBrk="1" latinLnBrk="0" hangingPunct="1">
+              <a:defRPr sz="1800" kern="1200">
+                <a:solidFill>
+                  <a:schemeClr val="tx1"/>
+                </a:solidFill>
+                <a:latin typeface="+mn-lt"/>
+                <a:ea typeface="+mn-ea"/>
+                <a:cs typeface="+mn-cs"/>
+              </a:defRPr>
+            </a:lvl7pPr>
+            <a:lvl8pPr marL="3200400" algn="l" defTabSz="914400" rtl="0" eaLnBrk="1" latinLnBrk="0" hangingPunct="1">
+              <a:defRPr sz="1800" kern="1200">
+                <a:solidFill>
+                  <a:schemeClr val="tx1"/>
+                </a:solidFill>
+                <a:latin typeface="+mn-lt"/>
+                <a:ea typeface="+mn-ea"/>
+                <a:cs typeface="+mn-cs"/>
+              </a:defRPr>
+            </a:lvl8pPr>
+            <a:lvl9pPr marL="3657600" algn="l" defTabSz="914400" rtl="0" eaLnBrk="1" latinLnBrk="0" hangingPunct="1">
+              <a:defRPr sz="1800" kern="1200">
+                <a:solidFill>
+                  <a:schemeClr val="tx1"/>
+                </a:solidFill>
+                <a:latin typeface="+mn-lt"/>
+                <a:ea typeface="+mn-ea"/>
+                <a:cs typeface="+mn-cs"/>
+              </a:defRPr>
+            </a:lvl9pPr>
+          </a:lstStyle>
+          <a:p>
+            <a:fld id="{3EBA5BD7-F043-4D1B-AA17-CD412FC534DE}" type="slidenum">
+              <a:rPr lang="en-US" smtClean="0"/>
+              <a:pPr/>
+              <a:t>33</a:t>
+            </a:fld>
+            <a:endParaRPr lang="en-US" dirty="0"/>
+          </a:p>
+        </p:txBody>
+      </p:sp>
+      <p:sp>
+        <p:nvSpPr>
+          <p:cNvPr id="6" name="Footer Placeholder 7">
+            <a:extLst>
+              <a:ext uri="{FF2B5EF4-FFF2-40B4-BE49-F238E27FC236}">
+                <a16:creationId xmlns:a16="http://schemas.microsoft.com/office/drawing/2014/main" id="{25A59A90-0B62-4BB9-BEA1-7A48144E67DE}"/>
+              </a:ext>
+            </a:extLst>
+          </p:cNvPr>
+          <p:cNvSpPr>
+            <a:spLocks noGrp="1"/>
+          </p:cNvSpPr>
+          <p:nvPr>
+            <p:ph type="ftr" sz="quarter" idx="4"/>
+          </p:nvPr>
+        </p:nvSpPr>
+        <p:spPr>
+          <a:xfrm>
+            <a:off x="-1" y="8847000"/>
+            <a:ext cx="6488999" cy="297000"/>
+          </a:xfrm>
+          <a:prstGeom prst="rect">
+            <a:avLst/>
+          </a:prstGeom>
+        </p:spPr>
+        <p:txBody>
+          <a:bodyPr vert="horz" lIns="91440" tIns="45720" rIns="91440" bIns="45720" rtlCol="0" anchor="b"/>
+          <a:lstStyle>
+            <a:lvl1pPr algn="l">
+              <a:defRPr sz="1100"/>
+            </a:lvl1pPr>
+          </a:lstStyle>
+          <a:p>
+            <a:r>
+              <a:rPr lang="en-US" dirty="0"/>
+              <a:t>© SoftUni – </a:t>
+            </a:r>
+            <a:r>
+              <a:rPr lang="en-US" u="sng" dirty="0">
+                <a:hlinkClick r:id="rId3"/>
+              </a:rPr>
+              <a:t>https://softuni.org</a:t>
+            </a:r>
+            <a:r>
+              <a:rPr lang="en-US" dirty="0"/>
+              <a:t>. Copyrighted document. Unauthorized copy or reproduction is not permitted.</a:t>
+            </a:r>
+          </a:p>
+        </p:txBody>
+      </p:sp>
+    </p:spTree>
+    <p:extLst>
+      <p:ext uri="{BB962C8B-B14F-4D97-AF65-F5344CB8AC3E}">
+        <p14:creationId xmlns:p14="http://schemas.microsoft.com/office/powerpoint/2010/main" val="3007563365"/>
+      </p:ext>
+    </p:extLst>
+  </p:cSld>
+  <p:clrMapOvr>
+    <a:masterClrMapping/>
+  </p:clrMapOvr>
+</p:notes>
+</file>
+
+<file path=ppt/notesSlides/notesSlide14.xml><?xml version="1.0" encoding="utf-8"?>
+<p:notes xmlns:a="http://schemas.openxmlformats.org/drawingml/2006/main" xmlns:r="http://schemas.openxmlformats.org/officeDocument/2006/relationships" xmlns:p="http://schemas.openxmlformats.org/presentationml/2006/main">
+  <p:cSld>
+    <p:spTree>
+      <p:nvGrpSpPr>
+        <p:cNvPr id="1" name=""/>
+        <p:cNvGrpSpPr/>
+        <p:nvPr/>
+      </p:nvGrpSpPr>
+      <p:grpSpPr>
+        <a:xfrm>
+          <a:off x="0" y="0"/>
+          <a:ext cx="0" cy="0"/>
+          <a:chOff x="0" y="0"/>
+          <a:chExt cx="0" cy="0"/>
+        </a:xfrm>
+      </p:grpSpPr>
+      <p:sp>
+        <p:nvSpPr>
+          <p:cNvPr id="2" name="Slide Image Placeholder 1"/>
+          <p:cNvSpPr>
+            <a:spLocks noGrp="1" noRot="1" noChangeAspect="1"/>
+          </p:cNvSpPr>
+          <p:nvPr>
+            <p:ph type="sldImg"/>
+          </p:nvPr>
+        </p:nvSpPr>
+        <p:spPr/>
+      </p:sp>
+      <p:sp>
+        <p:nvSpPr>
+          <p:cNvPr id="3" name="Notes Placeholder 2"/>
+          <p:cNvSpPr>
+            <a:spLocks noGrp="1"/>
+          </p:cNvSpPr>
+          <p:nvPr>
+            <p:ph type="body" idx="1"/>
+          </p:nvPr>
+        </p:nvSpPr>
+        <p:spPr/>
+        <p:txBody>
+          <a:bodyPr/>
+          <a:lstStyle/>
+          <a:p>
+            <a:endParaRPr lang="en-US"/>
+          </a:p>
+        </p:txBody>
+      </p:sp>
+      <p:sp>
+        <p:nvSpPr>
+          <p:cNvPr id="7" name="Slide Number Placeholder 5">
+            <a:extLst>
+              <a:ext uri="{FF2B5EF4-FFF2-40B4-BE49-F238E27FC236}">
                 <a16:creationId xmlns:a16="http://schemas.microsoft.com/office/drawing/2014/main" id="{5D1C0779-821B-433B-AB3A-0953EE966C7E}"/>
               </a:ext>
             </a:extLst>
@@ -1704,7 +1839,7 @@
 </p:notes>
 </file>
 
-<file path=ppt/notesSlides/notesSlide14.xml><?xml version="1.0" encoding="utf-8"?>
+<file path=ppt/notesSlides/notesSlide15.xml><?xml version="1.0" encoding="utf-8"?>
 <p:notes xmlns:a="http://schemas.openxmlformats.org/drawingml/2006/main" xmlns:r="http://schemas.openxmlformats.org/officeDocument/2006/relationships" xmlns:p="http://schemas.openxmlformats.org/presentationml/2006/main">
   <p:cSld>
     <p:spTree>
@@ -2546,7 +2681,15 @@
             </a:r>
             <a:r>
               <a:rPr lang="en-US" baseline="0" dirty="0"/>
-              <a:t> on how tom make stored procedures for Insert, update and delete - https://msdn.microsoft.com/en-us/library/dn468673(v=vs.113).aspx</a:t>
+              <a:t> on </a:t>
+            </a:r>
+            <a:r>
+              <a:rPr lang="en-US" baseline="0"/>
+              <a:t>how to </a:t>
+            </a:r>
+            <a:r>
+              <a:rPr lang="en-US" baseline="0" dirty="0"/>
+              <a:t>make stored procedures for Insert, update and delete - https://msdn.microsoft.com/en-us/library/dn468673(v=vs.113).aspx</a:t>
             </a:r>
             <a:endParaRPr lang="en-US" dirty="0"/>
           </a:p>
@@ -2956,18 +3099,18 @@
           <a:bodyPr/>
           <a:lstStyle/>
           <a:p>
-            <a:endParaRPr lang="en-US" dirty="0"/>
+            <a:endParaRPr lang="bg-BG" dirty="0"/>
           </a:p>
         </p:txBody>
       </p:sp>
       <p:sp>
         <p:nvSpPr>
-          <p:cNvPr id="5" name="Slide Number Placeholder 4"/>
+          <p:cNvPr id="4" name="Slide Number Placeholder 3"/>
           <p:cNvSpPr>
             <a:spLocks noGrp="1"/>
           </p:cNvSpPr>
           <p:nvPr>
-            <p:ph type="sldNum" sz="quarter" idx="11"/>
+            <p:ph type="sldNum" sz="quarter" idx="5"/>
           </p:nvPr>
         </p:nvSpPr>
         <p:spPr/>
@@ -2975,10 +3118,9 @@
           <a:bodyPr/>
           <a:lstStyle/>
           <a:p>
-            <a:fld id="{3EBA5BD7-F043-4D1B-AA17-CD412FC534DE}" type="slidenum">
+            <a:fld id="{2BF067CD-8E6B-4360-9AA8-C5DF2A48A6D1}" type="slidenum">
               <a:rPr lang="en-US" smtClean="0"/>
-              <a:pPr/>
-              <a:t>19</a:t>
+              <a:t>17</a:t>
             </a:fld>
             <a:endParaRPr lang="en-US" dirty="0"/>
           </a:p>
@@ -2986,13 +3128,7 @@
       </p:sp>
       <p:sp>
         <p:nvSpPr>
-          <p:cNvPr id="6" name="Footer Placeholder 7">
-            <a:extLst>
-              <a:ext uri="{FF2B5EF4-FFF2-40B4-BE49-F238E27FC236}">
-                <a16:creationId xmlns:a16="http://schemas.microsoft.com/office/drawing/2014/main" id="{EEA7D2C1-1D6B-4A53-9C68-084DD77290A1}"/>
-              </a:ext>
-            </a:extLst>
-          </p:cNvPr>
+          <p:cNvPr id="5" name="Footer Placeholder 4"/>
           <p:cNvSpPr>
             <a:spLocks noGrp="1"/>
           </p:cNvSpPr>
@@ -3000,44 +3136,33 @@
             <p:ph type="ftr" sz="quarter" idx="4"/>
           </p:nvPr>
         </p:nvSpPr>
-        <p:spPr>
-          <a:xfrm>
-            <a:off x="-1" y="8847000"/>
-            <a:ext cx="6488999" cy="297000"/>
-          </a:xfrm>
-          <a:prstGeom prst="rect">
-            <a:avLst/>
-          </a:prstGeom>
-        </p:spPr>
+        <p:spPr/>
         <p:txBody>
-          <a:bodyPr vert="horz" lIns="91440" tIns="45720" rIns="91440" bIns="45720" rtlCol="0" anchor="b"/>
-          <a:lstStyle>
-            <a:lvl1pPr algn="l">
-              <a:defRPr sz="1100"/>
-            </a:lvl1pPr>
-          </a:lstStyle>
-          <a:p>
-            <a:r>
-              <a:rPr lang="en-US" dirty="0"/>
+          <a:bodyPr/>
+          <a:lstStyle/>
+          <a:p>
+            <a:r>
+              <a:rPr lang="en-US"/>
               <a:t>© SoftUni – </a:t>
             </a:r>
             <a:r>
-              <a:rPr lang="en-US" u="sng" dirty="0">
+              <a:rPr lang="en-US" u="sng">
                 <a:hlinkClick r:id="rId3"/>
               </a:rPr>
               <a:t>https://softuni.org</a:t>
             </a:r>
             <a:r>
-              <a:rPr lang="en-US" dirty="0"/>
+              <a:rPr lang="en-US"/>
               <a:t>. Copyrighted document. Unauthorized copy or reproduction is not permitted.</a:t>
             </a:r>
+            <a:endParaRPr lang="en-US" dirty="0"/>
           </a:p>
         </p:txBody>
       </p:sp>
     </p:spTree>
     <p:extLst>
       <p:ext uri="{BB962C8B-B14F-4D97-AF65-F5344CB8AC3E}">
-        <p14:creationId xmlns:p14="http://schemas.microsoft.com/office/powerpoint/2010/main" val="1963625722"/>
+        <p14:creationId xmlns:p14="http://schemas.microsoft.com/office/powerpoint/2010/main" val="1552210090"/>
       </p:ext>
     </p:extLst>
   </p:cSld>
@@ -3113,7 +3238,7 @@
             <a:fld id="{3EBA5BD7-F043-4D1B-AA17-CD412FC534DE}" type="slidenum">
               <a:rPr lang="en-US" smtClean="0"/>
               <a:pPr/>
-              <a:t>20</a:t>
+              <a:t>19</a:t>
             </a:fld>
             <a:endParaRPr lang="en-US" dirty="0"/>
           </a:p>
@@ -3124,7 +3249,7 @@
           <p:cNvPr id="6" name="Footer Placeholder 7">
             <a:extLst>
               <a:ext uri="{FF2B5EF4-FFF2-40B4-BE49-F238E27FC236}">
-                <a16:creationId xmlns:a16="http://schemas.microsoft.com/office/drawing/2014/main" id="{2ED993A8-38DE-4249-A49B-FCEBFFBBA6E8}"/>
+                <a16:creationId xmlns:a16="http://schemas.microsoft.com/office/drawing/2014/main" id="{EEA7D2C1-1D6B-4A53-9C68-084DD77290A1}"/>
               </a:ext>
             </a:extLst>
           </p:cNvPr>
@@ -3172,7 +3297,7 @@
     </p:spTree>
     <p:extLst>
       <p:ext uri="{BB962C8B-B14F-4D97-AF65-F5344CB8AC3E}">
-        <p14:creationId xmlns:p14="http://schemas.microsoft.com/office/powerpoint/2010/main" val="4160887369"/>
+        <p14:creationId xmlns:p14="http://schemas.microsoft.com/office/powerpoint/2010/main" val="1963625722"/>
       </p:ext>
     </p:extLst>
   </p:cSld>
@@ -16455,19 +16580,11 @@
           <a:p>
             <a:r>
               <a:rPr lang="en-US" dirty="0"/>
-              <a:t>Update all Employees with name "</a:t>
+              <a:t>Update all Employees with name "Niki" to "</a:t>
             </a:r>
             <a:r>
               <a:rPr lang="en-US" dirty="0" err="1"/>
-              <a:t>Nasko</a:t>
-            </a:r>
-            <a:r>
-              <a:rPr lang="en-US" dirty="0"/>
-              <a:t>" to "</a:t>
-            </a:r>
-            <a:r>
-              <a:rPr lang="en-US" dirty="0" err="1"/>
-              <a:t>Plamen</a:t>
+              <a:t>Stoyan</a:t>
             </a:r>
             <a:r>
               <a:rPr lang="en-US" dirty="0"/>
